--- a/slides/MessageQueuesPresentation.pptx
+++ b/slides/MessageQueuesPresentation.pptx
@@ -5,7 +5,7 @@
     <p:sldMasterId id="2147483648" r:id="rId1"/>
   </p:sldMasterIdLst>
   <p:notesMasterIdLst>
-    <p:notesMasterId r:id="rId35"/>
+    <p:notesMasterId r:id="rId34"/>
   </p:notesMasterIdLst>
   <p:sldIdLst>
     <p:sldId id="256" r:id="rId2"/>
@@ -29,18 +29,17 @@
     <p:sldId id="274" r:id="rId20"/>
     <p:sldId id="275" r:id="rId21"/>
     <p:sldId id="276" r:id="rId22"/>
-    <p:sldId id="277" r:id="rId23"/>
+    <p:sldId id="289" r:id="rId23"/>
     <p:sldId id="278" r:id="rId24"/>
-    <p:sldId id="279" r:id="rId25"/>
-    <p:sldId id="280" r:id="rId26"/>
-    <p:sldId id="281" r:id="rId27"/>
-    <p:sldId id="282" r:id="rId28"/>
-    <p:sldId id="283" r:id="rId29"/>
-    <p:sldId id="284" r:id="rId30"/>
-    <p:sldId id="285" r:id="rId31"/>
-    <p:sldId id="286" r:id="rId32"/>
-    <p:sldId id="287" r:id="rId33"/>
-    <p:sldId id="288" r:id="rId34"/>
+    <p:sldId id="290" r:id="rId25"/>
+    <p:sldId id="281" r:id="rId26"/>
+    <p:sldId id="282" r:id="rId27"/>
+    <p:sldId id="283" r:id="rId28"/>
+    <p:sldId id="284" r:id="rId29"/>
+    <p:sldId id="285" r:id="rId30"/>
+    <p:sldId id="291" r:id="rId31"/>
+    <p:sldId id="287" r:id="rId32"/>
+    <p:sldId id="288" r:id="rId33"/>
   </p:sldIdLst>
   <p:sldSz cx="12192000" cy="6858000"/>
   <p:notesSz cx="6858000" cy="9144000"/>
@@ -229,7 +228,7 @@
           <a:p>
             <a:fld id="{DCB88FB5-70BE-4595-A73B-4E335D030C14}" type="datetimeFigureOut">
               <a:rPr lang="en-US" smtClean="0"/>
-              <a:t>3/27/2015</a:t>
+              <a:t>4/23/2015</a:t>
             </a:fld>
             <a:endParaRPr lang="en-US" dirty="0"/>
           </a:p>
@@ -720,7 +719,7 @@
           <a:p>
             <a:fld id="{39995FF6-0FDD-4A80-96B8-72BF71AD8DFB}" type="datetimeFigureOut">
               <a:rPr lang="en-US" smtClean="0"/>
-              <a:t>3/27/2015</a:t>
+              <a:t>4/23/2015</a:t>
             </a:fld>
             <a:endParaRPr lang="en-US" dirty="0"/>
           </a:p>
@@ -890,7 +889,7 @@
           <a:p>
             <a:fld id="{39995FF6-0FDD-4A80-96B8-72BF71AD8DFB}" type="datetimeFigureOut">
               <a:rPr lang="en-US" smtClean="0"/>
-              <a:t>3/27/2015</a:t>
+              <a:t>4/23/2015</a:t>
             </a:fld>
             <a:endParaRPr lang="en-US" dirty="0"/>
           </a:p>
@@ -1070,7 +1069,7 @@
           <a:p>
             <a:fld id="{39995FF6-0FDD-4A80-96B8-72BF71AD8DFB}" type="datetimeFigureOut">
               <a:rPr lang="en-US" smtClean="0"/>
-              <a:t>3/27/2015</a:t>
+              <a:t>4/23/2015</a:t>
             </a:fld>
             <a:endParaRPr lang="en-US" dirty="0"/>
           </a:p>
@@ -1240,7 +1239,7 @@
           <a:p>
             <a:fld id="{39995FF6-0FDD-4A80-96B8-72BF71AD8DFB}" type="datetimeFigureOut">
               <a:rPr lang="en-US" smtClean="0"/>
-              <a:t>3/27/2015</a:t>
+              <a:t>4/23/2015</a:t>
             </a:fld>
             <a:endParaRPr lang="en-US" dirty="0"/>
           </a:p>
@@ -1486,7 +1485,7 @@
           <a:p>
             <a:fld id="{39995FF6-0FDD-4A80-96B8-72BF71AD8DFB}" type="datetimeFigureOut">
               <a:rPr lang="en-US" smtClean="0"/>
-              <a:t>3/27/2015</a:t>
+              <a:t>4/23/2015</a:t>
             </a:fld>
             <a:endParaRPr lang="en-US" dirty="0"/>
           </a:p>
@@ -1718,7 +1717,7 @@
           <a:p>
             <a:fld id="{39995FF6-0FDD-4A80-96B8-72BF71AD8DFB}" type="datetimeFigureOut">
               <a:rPr lang="en-US" smtClean="0"/>
-              <a:t>3/27/2015</a:t>
+              <a:t>4/23/2015</a:t>
             </a:fld>
             <a:endParaRPr lang="en-US" dirty="0"/>
           </a:p>
@@ -2085,7 +2084,7 @@
           <a:p>
             <a:fld id="{39995FF6-0FDD-4A80-96B8-72BF71AD8DFB}" type="datetimeFigureOut">
               <a:rPr lang="en-US" smtClean="0"/>
-              <a:t>3/27/2015</a:t>
+              <a:t>4/23/2015</a:t>
             </a:fld>
             <a:endParaRPr lang="en-US" dirty="0"/>
           </a:p>
@@ -2203,7 +2202,7 @@
           <a:p>
             <a:fld id="{39995FF6-0FDD-4A80-96B8-72BF71AD8DFB}" type="datetimeFigureOut">
               <a:rPr lang="en-US" smtClean="0"/>
-              <a:t>3/27/2015</a:t>
+              <a:t>4/23/2015</a:t>
             </a:fld>
             <a:endParaRPr lang="en-US" dirty="0"/>
           </a:p>
@@ -2298,7 +2297,7 @@
           <a:p>
             <a:fld id="{39995FF6-0FDD-4A80-96B8-72BF71AD8DFB}" type="datetimeFigureOut">
               <a:rPr lang="en-US" smtClean="0"/>
-              <a:t>3/27/2015</a:t>
+              <a:t>4/23/2015</a:t>
             </a:fld>
             <a:endParaRPr lang="en-US" dirty="0"/>
           </a:p>
@@ -2575,7 +2574,7 @@
           <a:p>
             <a:fld id="{39995FF6-0FDD-4A80-96B8-72BF71AD8DFB}" type="datetimeFigureOut">
               <a:rPr lang="en-US" smtClean="0"/>
-              <a:t>3/27/2015</a:t>
+              <a:t>4/23/2015</a:t>
             </a:fld>
             <a:endParaRPr lang="en-US" dirty="0"/>
           </a:p>
@@ -2828,7 +2827,7 @@
           <a:p>
             <a:fld id="{39995FF6-0FDD-4A80-96B8-72BF71AD8DFB}" type="datetimeFigureOut">
               <a:rPr lang="en-US" smtClean="0"/>
-              <a:t>3/27/2015</a:t>
+              <a:t>4/23/2015</a:t>
             </a:fld>
             <a:endParaRPr lang="en-US" dirty="0"/>
           </a:p>
@@ -3041,7 +3040,7 @@
           <a:p>
             <a:fld id="{39995FF6-0FDD-4A80-96B8-72BF71AD8DFB}" type="datetimeFigureOut">
               <a:rPr lang="en-US" smtClean="0"/>
-              <a:t>3/27/2015</a:t>
+              <a:t>4/23/2015</a:t>
             </a:fld>
             <a:endParaRPr lang="en-US" dirty="0"/>
           </a:p>
@@ -4612,8 +4611,13 @@
           <a:p>
             <a:r>
               <a:rPr lang="en-US" dirty="0" smtClean="0"/>
-              <a:t>A queue with pattern discount# means any routing key that starts with sales</a:t>
-            </a:r>
+              <a:t>A queue with pattern discount# means any routing key that starts </a:t>
+            </a:r>
+            <a:r>
+              <a:rPr lang="en-US" smtClean="0"/>
+              <a:t>with discount</a:t>
+            </a:r>
+            <a:endParaRPr lang="en-US" dirty="0" smtClean="0"/>
           </a:p>
           <a:p>
             <a:pPr lvl="1"/>
@@ -4944,11 +4948,7 @@
           <a:p>
             <a:r>
               <a:rPr lang="en-US" dirty="0" smtClean="0"/>
-              <a:t>NFC North</a:t>
-            </a:r>
-            <a:r>
-              <a:rPr lang="en-US" dirty="0" smtClean="0"/>
-              <a:t> Queue with the following headers</a:t>
+              <a:t>NFC North Queue with the following headers</a:t>
             </a:r>
           </a:p>
           <a:p>
@@ -5433,46 +5433,36 @@
           </a:p>
         </p:txBody>
       </p:sp>
-      <p:sp>
-        <p:nvSpPr>
-          <p:cNvPr id="3" name="Content Placeholder 2"/>
-          <p:cNvSpPr>
-            <a:spLocks noGrp="1"/>
-          </p:cNvSpPr>
+      <p:pic>
+        <p:nvPicPr>
+          <p:cNvPr id="12" name="Content Placeholder 11"/>
+          <p:cNvPicPr>
+            <a:picLocks noGrp="1" noChangeAspect="1"/>
+          </p:cNvPicPr>
           <p:nvPr>
             <p:ph idx="1"/>
           </p:nvPr>
-        </p:nvSpPr>
-        <p:spPr/>
-        <p:txBody>
-          <a:bodyPr/>
-          <a:lstStyle/>
-          <a:p>
-            <a:pPr marL="0" indent="0">
-              <a:buNone/>
-            </a:pPr>
-            <a:r>
-              <a:rPr lang="en-US" dirty="0" smtClean="0"/>
-              <a:t>You have a mobile application that sends GPS Data to your web service constantly throughout the day.  You need to use a third party service to reverse geocode the coordinates and store the result in another database table.</a:t>
-            </a:r>
-            <a:endParaRPr lang="en-US" dirty="0"/>
-          </a:p>
-          <a:p>
-            <a:pPr marL="0" indent="0">
-              <a:buNone/>
-            </a:pPr>
-            <a:r>
-              <a:rPr lang="en-US" dirty="0" smtClean="0"/>
-              <a:t>Currently you have an IsProcessed bit field on that table, and a batch process that runs on  a schedule to query where IsProcessed = 0, use the web service to get data, write the data, then update IsProcessed to 1.  The original data can not be deleted as it is needed for other purposes.</a:t>
-            </a:r>
-            <a:endParaRPr lang="en-US" dirty="0"/>
-          </a:p>
-        </p:txBody>
-      </p:sp>
+        </p:nvPicPr>
+        <p:blipFill>
+          <a:blip r:embed="rId2"/>
+          <a:stretch>
+            <a:fillRect/>
+          </a:stretch>
+        </p:blipFill>
+        <p:spPr>
+          <a:xfrm>
+            <a:off x="3228299" y="1690688"/>
+            <a:ext cx="3726334" cy="4958896"/>
+          </a:xfrm>
+          <a:prstGeom prst="rect">
+            <a:avLst/>
+          </a:prstGeom>
+        </p:spPr>
+      </p:pic>
     </p:spTree>
     <p:extLst>
       <p:ext uri="{BB962C8B-B14F-4D97-AF65-F5344CB8AC3E}">
-        <p14:creationId xmlns:p14="http://schemas.microsoft.com/office/powerpoint/2010/main" val="4118019919"/>
+        <p14:creationId xmlns:p14="http://schemas.microsoft.com/office/powerpoint/2010/main" val="522960924"/>
       </p:ext>
     </p:extLst>
   </p:cSld>
@@ -5560,14 +5550,45 @@
           <a:p>
             <a:r>
               <a:rPr lang="en-US" dirty="0" smtClean="0"/>
-              <a:t>Mobile apps don’t stop sending data at 5:00 pm.  Table contention.</a:t>
-            </a:r>
-          </a:p>
-          <a:p>
-            <a:r>
-              <a:rPr lang="en-US" dirty="0" smtClean="0"/>
-              <a:t>New Data isn’t available until the “job runs”.  What if it fails.</a:t>
-            </a:r>
+              <a:t>New Data isn’t available until the job runs.</a:t>
+            </a:r>
+          </a:p>
+          <a:p>
+            <a:r>
+              <a:rPr lang="en-US" dirty="0" smtClean="0"/>
+              <a:t>Set </a:t>
+            </a:r>
+            <a:r>
+              <a:rPr lang="en-US" dirty="0"/>
+              <a:t>based transactions or row by row. </a:t>
+            </a:r>
+            <a:endParaRPr lang="en-US" dirty="0" smtClean="0"/>
+          </a:p>
+          <a:p>
+            <a:r>
+              <a:rPr lang="en-US" dirty="0" smtClean="0"/>
+              <a:t>Failures </a:t>
+            </a:r>
+            <a:r>
+              <a:rPr lang="en-US" dirty="0"/>
+              <a:t>lead to longer delays</a:t>
+            </a:r>
+            <a:r>
+              <a:rPr lang="en-US" dirty="0" smtClean="0"/>
+              <a:t>.</a:t>
+            </a:r>
+          </a:p>
+          <a:p>
+            <a:r>
+              <a:rPr lang="en-US" dirty="0"/>
+              <a:t>Product Owner, decides there is another process we want to run on the original data.  Add another flag and batch job?</a:t>
+            </a:r>
+          </a:p>
+          <a:p>
+            <a:endParaRPr lang="en-US" dirty="0"/>
+          </a:p>
+          <a:p>
+            <a:endParaRPr lang="en-US" dirty="0" smtClean="0"/>
           </a:p>
         </p:txBody>
       </p:sp>
@@ -5625,59 +5646,42 @@
           <a:p>
             <a:r>
               <a:rPr lang="en-US" dirty="0" smtClean="0"/>
-              <a:t>Problems Continued</a:t>
-            </a:r>
-            <a:endParaRPr lang="en-US" dirty="0"/>
-          </a:p>
-        </p:txBody>
-      </p:sp>
-      <p:sp>
-        <p:nvSpPr>
-          <p:cNvPr id="3" name="Content Placeholder 2"/>
-          <p:cNvSpPr>
-            <a:spLocks noGrp="1"/>
-          </p:cNvSpPr>
+              <a:t>Potential Solution</a:t>
+            </a:r>
+            <a:endParaRPr lang="en-US" dirty="0"/>
+          </a:p>
+        </p:txBody>
+      </p:sp>
+      <p:pic>
+        <p:nvPicPr>
+          <p:cNvPr id="11" name="Content Placeholder 10"/>
+          <p:cNvPicPr>
+            <a:picLocks noGrp="1" noChangeAspect="1"/>
+          </p:cNvPicPr>
           <p:nvPr>
             <p:ph idx="1"/>
           </p:nvPr>
-        </p:nvSpPr>
-        <p:spPr/>
-        <p:txBody>
-          <a:bodyPr/>
-          <a:lstStyle/>
-          <a:p>
-            <a:r>
-              <a:rPr lang="en-US" dirty="0" smtClean="0"/>
-              <a:t>Set based transactions or row by row.  Failures lead to longer delays.</a:t>
-            </a:r>
-          </a:p>
-          <a:p>
-            <a:r>
-              <a:rPr lang="en-US" dirty="0" smtClean="0"/>
-              <a:t>How do you fix broken records, and then reprocess them?</a:t>
-            </a:r>
-          </a:p>
-          <a:p>
-            <a:r>
-              <a:rPr lang="en-US" dirty="0" smtClean="0"/>
-              <a:t>How do you scale this?</a:t>
-            </a:r>
-          </a:p>
-          <a:p>
-            <a:r>
-              <a:rPr lang="en-US" dirty="0" smtClean="0"/>
-              <a:t>Product Owner, decides there is another process we want to run on the original data.  Add another flag and batch job?</a:t>
-            </a:r>
-          </a:p>
-          <a:p>
-            <a:endParaRPr lang="en-US" dirty="0"/>
-          </a:p>
-        </p:txBody>
-      </p:sp>
+        </p:nvPicPr>
+        <p:blipFill>
+          <a:blip r:embed="rId2"/>
+          <a:stretch>
+            <a:fillRect/>
+          </a:stretch>
+        </p:blipFill>
+        <p:spPr>
+          <a:xfrm>
+            <a:off x="3873646" y="1466397"/>
+            <a:ext cx="3049668" cy="5270246"/>
+          </a:xfrm>
+          <a:prstGeom prst="rect">
+            <a:avLst/>
+          </a:prstGeom>
+        </p:spPr>
+      </p:pic>
     </p:spTree>
     <p:extLst>
       <p:ext uri="{BB962C8B-B14F-4D97-AF65-F5344CB8AC3E}">
-        <p14:creationId xmlns:p14="http://schemas.microsoft.com/office/powerpoint/2010/main" val="263314327"/>
+        <p14:creationId xmlns:p14="http://schemas.microsoft.com/office/powerpoint/2010/main" val="2726150810"/>
       </p:ext>
     </p:extLst>
   </p:cSld>
@@ -5728,95 +5732,42 @@
           <a:p>
             <a:r>
               <a:rPr lang="en-US" dirty="0" smtClean="0"/>
-              <a:t>Potential Solution</a:t>
-            </a:r>
-            <a:endParaRPr lang="en-US" dirty="0"/>
-          </a:p>
-        </p:txBody>
-      </p:sp>
-      <p:sp>
-        <p:nvSpPr>
-          <p:cNvPr id="3" name="Content Placeholder 2"/>
-          <p:cNvSpPr>
-            <a:spLocks noGrp="1"/>
-          </p:cNvSpPr>
+              <a:t>The Scenario – Data Duplication	</a:t>
+            </a:r>
+            <a:endParaRPr lang="en-US" dirty="0"/>
+          </a:p>
+        </p:txBody>
+      </p:sp>
+      <p:pic>
+        <p:nvPicPr>
+          <p:cNvPr id="7" name="Content Placeholder 6"/>
+          <p:cNvPicPr>
+            <a:picLocks noGrp="1" noChangeAspect="1"/>
+          </p:cNvPicPr>
           <p:nvPr>
             <p:ph idx="1"/>
           </p:nvPr>
-        </p:nvSpPr>
-        <p:spPr/>
-        <p:txBody>
-          <a:bodyPr>
-            <a:normAutofit fontScale="92500" lnSpcReduction="20000"/>
-          </a:bodyPr>
-          <a:lstStyle/>
-          <a:p>
-            <a:r>
-              <a:rPr lang="en-US" dirty="0" smtClean="0"/>
-              <a:t>Use a Direct Exchange Queue Model</a:t>
-            </a:r>
-          </a:p>
-          <a:p>
-            <a:r>
-              <a:rPr lang="en-US" dirty="0" smtClean="0"/>
-              <a:t>No IsProcessed Field</a:t>
-            </a:r>
-          </a:p>
-          <a:p>
-            <a:r>
-              <a:rPr lang="en-US" dirty="0" smtClean="0"/>
-              <a:t>After Data is saved to database, publish a message to queue</a:t>
-            </a:r>
-          </a:p>
-          <a:p>
-            <a:r>
-              <a:rPr lang="en-US" dirty="0" smtClean="0"/>
-              <a:t>Process monitoring the queue calls web service, writes new data</a:t>
-            </a:r>
-          </a:p>
-          <a:p>
-            <a:r>
-              <a:rPr lang="en-US" dirty="0" smtClean="0"/>
-              <a:t>If errors occur, notification system.</a:t>
-            </a:r>
-          </a:p>
-          <a:p>
-            <a:r>
-              <a:rPr lang="en-US" dirty="0" smtClean="0"/>
-              <a:t>Fix Data, and then publish new message</a:t>
-            </a:r>
-          </a:p>
-          <a:p>
-            <a:r>
-              <a:rPr lang="en-US" dirty="0" smtClean="0"/>
-              <a:t>Scalable in Worker Process flow</a:t>
-            </a:r>
-          </a:p>
-          <a:p>
-            <a:r>
-              <a:rPr lang="en-US" dirty="0" smtClean="0"/>
-              <a:t>More real-time than the batch process</a:t>
-            </a:r>
-          </a:p>
-          <a:p>
-            <a:r>
-              <a:rPr lang="en-US" dirty="0" smtClean="0"/>
-              <a:t>Less contention on original table</a:t>
-            </a:r>
-          </a:p>
-          <a:p>
-            <a:r>
-              <a:rPr lang="en-US" dirty="0" smtClean="0"/>
-              <a:t>New requirements, new queue and process, original stays in tact</a:t>
-            </a:r>
-            <a:endParaRPr lang="en-US" dirty="0"/>
-          </a:p>
-        </p:txBody>
-      </p:sp>
+        </p:nvPicPr>
+        <p:blipFill>
+          <a:blip r:embed="rId2"/>
+          <a:stretch>
+            <a:fillRect/>
+          </a:stretch>
+        </p:blipFill>
+        <p:spPr>
+          <a:xfrm>
+            <a:off x="3165146" y="1690688"/>
+            <a:ext cx="4528359" cy="5004310"/>
+          </a:xfrm>
+          <a:prstGeom prst="rect">
+            <a:avLst/>
+          </a:prstGeom>
+        </p:spPr>
+      </p:pic>
     </p:spTree>
     <p:extLst>
       <p:ext uri="{BB962C8B-B14F-4D97-AF65-F5344CB8AC3E}">
-        <p14:creationId xmlns:p14="http://schemas.microsoft.com/office/powerpoint/2010/main" val="4261975273"/>
+        <p14:creationId xmlns:p14="http://schemas.microsoft.com/office/powerpoint/2010/main" val="1129491837"/>
       </p:ext>
     </p:extLst>
   </p:cSld>
@@ -5867,7 +5818,7 @@
           <a:p>
             <a:r>
               <a:rPr lang="en-US" dirty="0" smtClean="0"/>
-              <a:t>The Scenario – Data Duplication	</a:t>
+              <a:t>Problems</a:t>
             </a:r>
             <a:endParaRPr lang="en-US" dirty="0"/>
           </a:p>
@@ -5883,35 +5834,56 @@
             <p:ph idx="1"/>
           </p:nvPr>
         </p:nvSpPr>
-        <p:spPr/>
-        <p:txBody>
-          <a:bodyPr/>
-          <a:lstStyle/>
-          <a:p>
-            <a:pPr marL="0" indent="0">
-              <a:buNone/>
-            </a:pPr>
-            <a:r>
-              <a:rPr lang="en-US" dirty="0" smtClean="0"/>
-              <a:t>Your system tracks employee records.  One particular report is consistently times out when trying to run it.  Working with your DBA, you attempt to change various indices on the table.  That in turn degrades performance in other areas of the application, namely saving an employee record.</a:t>
-            </a:r>
-          </a:p>
-          <a:p>
-            <a:pPr marL="0" indent="0">
-              <a:buNone/>
-            </a:pPr>
-            <a:r>
-              <a:rPr lang="en-US" dirty="0" smtClean="0"/>
-              <a:t>It is decided to create a denormalized table for this report.  How do you keep this table up to date after it’s initial load?</a:t>
-            </a:r>
-            <a:endParaRPr lang="en-US" dirty="0"/>
+        <p:spPr>
+          <a:xfrm>
+            <a:off x="838200" y="1690688"/>
+            <a:ext cx="10515600" cy="4486275"/>
+          </a:xfrm>
+        </p:spPr>
+        <p:txBody>
+          <a:bodyPr>
+            <a:normAutofit/>
+          </a:bodyPr>
+          <a:lstStyle/>
+          <a:p>
+            <a:r>
+              <a:rPr lang="en-US" dirty="0" smtClean="0"/>
+              <a:t>Replication usually includes all data.</a:t>
+            </a:r>
+          </a:p>
+          <a:p>
+            <a:r>
+              <a:rPr lang="en-US" dirty="0" smtClean="0"/>
+              <a:t>Replication Needs same Table Relations.</a:t>
+            </a:r>
+          </a:p>
+          <a:p>
+            <a:r>
+              <a:rPr lang="en-US" dirty="0" smtClean="0"/>
+              <a:t>Fourth Normal means Joins and Knowledge</a:t>
+            </a:r>
+          </a:p>
+          <a:p>
+            <a:r>
+              <a:rPr lang="en-US" dirty="0" smtClean="0"/>
+              <a:t>Batch Jobs</a:t>
+            </a:r>
+          </a:p>
+          <a:p>
+            <a:r>
+              <a:rPr lang="en-US" dirty="0" smtClean="0"/>
+              <a:t>Future Reporting</a:t>
+            </a:r>
+          </a:p>
+          <a:p>
+            <a:endParaRPr lang="en-US" dirty="0" smtClean="0"/>
           </a:p>
         </p:txBody>
       </p:sp>
     </p:spTree>
     <p:extLst>
       <p:ext uri="{BB962C8B-B14F-4D97-AF65-F5344CB8AC3E}">
-        <p14:creationId xmlns:p14="http://schemas.microsoft.com/office/powerpoint/2010/main" val="1129491837"/>
+        <p14:creationId xmlns:p14="http://schemas.microsoft.com/office/powerpoint/2010/main" val="2328945987"/>
       </p:ext>
     </p:extLst>
   </p:cSld>
@@ -5962,116 +5934,42 @@
           <a:p>
             <a:r>
               <a:rPr lang="en-US" dirty="0" smtClean="0"/>
-              <a:t>Potential Ideas</a:t>
-            </a:r>
-            <a:endParaRPr lang="en-US" dirty="0"/>
-          </a:p>
-        </p:txBody>
-      </p:sp>
-      <p:sp>
-        <p:nvSpPr>
-          <p:cNvPr id="3" name="Content Placeholder 2"/>
-          <p:cNvSpPr>
-            <a:spLocks noGrp="1"/>
-          </p:cNvSpPr>
+              <a:t>Potential Solution</a:t>
+            </a:r>
+            <a:endParaRPr lang="en-US" dirty="0"/>
+          </a:p>
+        </p:txBody>
+      </p:sp>
+      <p:pic>
+        <p:nvPicPr>
+          <p:cNvPr id="6" name="Content Placeholder 5"/>
+          <p:cNvPicPr>
+            <a:picLocks noGrp="1" noChangeAspect="1"/>
+          </p:cNvPicPr>
           <p:nvPr>
             <p:ph idx="1"/>
           </p:nvPr>
-        </p:nvSpPr>
+        </p:nvPicPr>
+        <p:blipFill>
+          <a:blip r:embed="rId2"/>
+          <a:stretch>
+            <a:fillRect/>
+          </a:stretch>
+        </p:blipFill>
         <p:spPr>
           <a:xfrm>
-            <a:off x="838200" y="1690688"/>
-            <a:ext cx="10515600" cy="4486275"/>
+            <a:off x="2686489" y="1690688"/>
+            <a:ext cx="4223194" cy="5117686"/>
           </a:xfrm>
+          <a:prstGeom prst="rect">
+            <a:avLst/>
+          </a:prstGeom>
         </p:spPr>
-        <p:txBody>
-          <a:bodyPr>
-            <a:normAutofit lnSpcReduction="10000"/>
-          </a:bodyPr>
-          <a:lstStyle/>
-          <a:p>
-            <a:r>
-              <a:rPr lang="en-US" dirty="0" smtClean="0"/>
-              <a:t>In the Update Stored Procedure</a:t>
-            </a:r>
-          </a:p>
-          <a:p>
-            <a:pPr lvl="1"/>
-            <a:r>
-              <a:rPr lang="en-US" dirty="0" smtClean="0"/>
-              <a:t>What if using an ORM?</a:t>
-            </a:r>
-          </a:p>
-          <a:p>
-            <a:pPr lvl="1"/>
-            <a:r>
-              <a:rPr lang="en-US" dirty="0" smtClean="0"/>
-              <a:t>How do you deal with Lookup data?</a:t>
-            </a:r>
-          </a:p>
-          <a:p>
-            <a:pPr lvl="1"/>
-            <a:r>
-              <a:rPr lang="en-US" dirty="0" smtClean="0"/>
-              <a:t>What if another reporting table comes along?</a:t>
-            </a:r>
-          </a:p>
-          <a:p>
-            <a:pPr lvl="1"/>
-            <a:r>
-              <a:rPr lang="en-US" dirty="0" smtClean="0"/>
-              <a:t>Error updating Reporting table.</a:t>
-            </a:r>
-          </a:p>
-          <a:p>
-            <a:r>
-              <a:rPr lang="en-US" dirty="0" smtClean="0"/>
-              <a:t>In a Trigger on the Table</a:t>
-            </a:r>
-          </a:p>
-          <a:p>
-            <a:pPr lvl="1"/>
-            <a:r>
-              <a:rPr lang="en-US" dirty="0" smtClean="0"/>
-              <a:t>How do you deal with Lookup data?</a:t>
-            </a:r>
-          </a:p>
-          <a:p>
-            <a:pPr lvl="1"/>
-            <a:r>
-              <a:rPr lang="en-US" dirty="0" smtClean="0"/>
-              <a:t>Triggers tend to be forgotten</a:t>
-            </a:r>
-          </a:p>
-          <a:p>
-            <a:pPr lvl="1"/>
-            <a:r>
-              <a:rPr lang="en-US" dirty="0" smtClean="0"/>
-              <a:t>What if another reporting table comes along?</a:t>
-            </a:r>
-          </a:p>
-          <a:p>
-            <a:pPr lvl="1"/>
-            <a:r>
-              <a:rPr lang="en-US" dirty="0" smtClean="0"/>
-              <a:t>Error updating the Reporting table.</a:t>
-            </a:r>
-          </a:p>
-          <a:p>
-            <a:r>
-              <a:rPr lang="en-US" dirty="0" smtClean="0"/>
-              <a:t>Batch Jobs</a:t>
-            </a:r>
-          </a:p>
-          <a:p>
-            <a:endParaRPr lang="en-US" dirty="0" smtClean="0"/>
-          </a:p>
-        </p:txBody>
-      </p:sp>
+      </p:pic>
     </p:spTree>
     <p:extLst>
       <p:ext uri="{BB962C8B-B14F-4D97-AF65-F5344CB8AC3E}">
-        <p14:creationId xmlns:p14="http://schemas.microsoft.com/office/powerpoint/2010/main" val="2328945987"/>
+        <p14:creationId xmlns:p14="http://schemas.microsoft.com/office/powerpoint/2010/main" val="2930193326"/>
       </p:ext>
     </p:extLst>
   </p:cSld>
@@ -6122,81 +6020,42 @@
           <a:p>
             <a:r>
               <a:rPr lang="en-US" dirty="0" smtClean="0"/>
-              <a:t>Potential Solution</a:t>
-            </a:r>
-            <a:endParaRPr lang="en-US" dirty="0"/>
-          </a:p>
-        </p:txBody>
-      </p:sp>
-      <p:sp>
-        <p:nvSpPr>
-          <p:cNvPr id="3" name="Content Placeholder 2"/>
-          <p:cNvSpPr>
-            <a:spLocks noGrp="1"/>
-          </p:cNvSpPr>
+              <a:t>The Scenario – Blocking Process</a:t>
+            </a:r>
+            <a:endParaRPr lang="en-US" dirty="0"/>
+          </a:p>
+        </p:txBody>
+      </p:sp>
+      <p:pic>
+        <p:nvPicPr>
+          <p:cNvPr id="4" name="Content Placeholder 3"/>
+          <p:cNvPicPr>
+            <a:picLocks noGrp="1" noChangeAspect="1"/>
+          </p:cNvPicPr>
           <p:nvPr>
             <p:ph idx="1"/>
           </p:nvPr>
-        </p:nvSpPr>
-        <p:spPr/>
-        <p:txBody>
-          <a:bodyPr/>
-          <a:lstStyle/>
-          <a:p>
-            <a:r>
-              <a:rPr lang="en-US" dirty="0" smtClean="0"/>
-              <a:t>Direct Exchange with ability to add Routing later</a:t>
-            </a:r>
-          </a:p>
-          <a:p>
-            <a:r>
-              <a:rPr lang="en-US" dirty="0" smtClean="0"/>
-              <a:t>Or Fanout Exchange with only 1 Queue, add more later</a:t>
-            </a:r>
-          </a:p>
-          <a:p>
-            <a:r>
-              <a:rPr lang="en-US" dirty="0" smtClean="0"/>
-              <a:t>Save the Data normally</a:t>
-            </a:r>
-          </a:p>
-          <a:p>
-            <a:r>
-              <a:rPr lang="en-US" dirty="0" smtClean="0"/>
-              <a:t>Publish a message</a:t>
-            </a:r>
-          </a:p>
-          <a:p>
-            <a:r>
-              <a:rPr lang="en-US" dirty="0" smtClean="0"/>
-              <a:t>Process the message and update the reporting table</a:t>
-            </a:r>
-          </a:p>
-          <a:p>
-            <a:r>
-              <a:rPr lang="en-US" dirty="0" smtClean="0"/>
-              <a:t>When then next report comes along, add more queues/processes</a:t>
-            </a:r>
-          </a:p>
-          <a:p>
-            <a:r>
-              <a:rPr lang="en-US" dirty="0" smtClean="0"/>
-              <a:t>More real time</a:t>
-            </a:r>
-          </a:p>
-          <a:p>
-            <a:r>
-              <a:rPr lang="en-US" dirty="0" smtClean="0"/>
-              <a:t>Doesn’t prevent saving the data.</a:t>
-            </a:r>
-            <a:endParaRPr lang="en-US" dirty="0"/>
-          </a:p>
-        </p:txBody>
-      </p:sp>
+        </p:nvPicPr>
+        <p:blipFill>
+          <a:blip r:embed="rId2"/>
+          <a:stretch>
+            <a:fillRect/>
+          </a:stretch>
+        </p:blipFill>
+        <p:spPr>
+          <a:xfrm>
+            <a:off x="3060020" y="1841953"/>
+            <a:ext cx="5484131" cy="4351338"/>
+          </a:xfrm>
+          <a:prstGeom prst="rect">
+            <a:avLst/>
+          </a:prstGeom>
+        </p:spPr>
+      </p:pic>
     </p:spTree>
     <p:extLst>
       <p:ext uri="{BB962C8B-B14F-4D97-AF65-F5344CB8AC3E}">
-        <p14:creationId xmlns:p14="http://schemas.microsoft.com/office/powerpoint/2010/main" val="2930193326"/>
+        <p14:creationId xmlns:p14="http://schemas.microsoft.com/office/powerpoint/2010/main" val="3335941667"/>
       </p:ext>
     </p:extLst>
   </p:cSld>
@@ -6247,7 +6106,7 @@
           <a:p>
             <a:r>
               <a:rPr lang="en-US" dirty="0" smtClean="0"/>
-              <a:t>The Scenario – Blocking Process</a:t>
+              <a:t>Problems</a:t>
             </a:r>
             <a:endParaRPr lang="en-US" dirty="0"/>
           </a:p>
@@ -6265,33 +6124,46 @@
         </p:nvSpPr>
         <p:spPr/>
         <p:txBody>
-          <a:bodyPr/>
-          <a:lstStyle/>
-          <a:p>
-            <a:pPr marL="0" indent="0">
-              <a:buNone/>
-            </a:pPr>
-            <a:r>
-              <a:rPr lang="en-US" dirty="0" smtClean="0"/>
-              <a:t>You’re building a new web application that allows a customer to self register.  As part of the requirements, when someone registers, the system needs to send a welcome email as well as send the customer information to the corporate Customer Management System (CMS).</a:t>
-            </a:r>
-          </a:p>
-          <a:p>
-            <a:pPr marL="0" indent="0">
-              <a:buNone/>
-            </a:pPr>
-            <a:r>
-              <a:rPr lang="en-US" dirty="0" smtClean="0"/>
-              <a:t>How do you set this up?</a:t>
-            </a:r>
-            <a:endParaRPr lang="en-US" dirty="0"/>
+          <a:bodyPr>
+            <a:normAutofit/>
+          </a:bodyPr>
+          <a:lstStyle/>
+          <a:p>
+            <a:r>
+              <a:rPr lang="en-US" dirty="0" smtClean="0"/>
+              <a:t>In Process means the customer waits for all to complete.</a:t>
+            </a:r>
+          </a:p>
+          <a:p>
+            <a:r>
+              <a:rPr lang="en-US" dirty="0" smtClean="0"/>
+              <a:t>Thought of as a Transaction, but it really isn’t.</a:t>
+            </a:r>
+          </a:p>
+          <a:p>
+            <a:r>
+              <a:rPr lang="en-US" dirty="0" smtClean="0"/>
+              <a:t>Failure other than Database insert, shouldn’t break the process.</a:t>
+            </a:r>
+          </a:p>
+          <a:p>
+            <a:r>
+              <a:rPr lang="en-US" dirty="0" smtClean="0"/>
+              <a:t>Asynchronous calls help the UI, but not the process.</a:t>
+            </a:r>
+          </a:p>
+          <a:p>
+            <a:r>
+              <a:rPr lang="en-US" dirty="0" smtClean="0"/>
+              <a:t>Your process is now dependent on an external system.</a:t>
+            </a:r>
           </a:p>
         </p:txBody>
       </p:sp>
     </p:spTree>
     <p:extLst>
       <p:ext uri="{BB962C8B-B14F-4D97-AF65-F5344CB8AC3E}">
-        <p14:creationId xmlns:p14="http://schemas.microsoft.com/office/powerpoint/2010/main" val="3335941667"/>
+        <p14:creationId xmlns:p14="http://schemas.microsoft.com/office/powerpoint/2010/main" val="1636338860"/>
       </p:ext>
     </p:extLst>
   </p:cSld>
@@ -6475,101 +6347,42 @@
           <a:p>
             <a:r>
               <a:rPr lang="en-US" dirty="0" smtClean="0"/>
-              <a:t>Potential Ideas	</a:t>
-            </a:r>
-            <a:endParaRPr lang="en-US" dirty="0"/>
-          </a:p>
-        </p:txBody>
-      </p:sp>
-      <p:sp>
-        <p:nvSpPr>
-          <p:cNvPr id="3" name="Content Placeholder 2"/>
-          <p:cNvSpPr>
-            <a:spLocks noGrp="1"/>
-          </p:cNvSpPr>
+              <a:t>Potential Solution</a:t>
+            </a:r>
+            <a:endParaRPr lang="en-US" dirty="0"/>
+          </a:p>
+        </p:txBody>
+      </p:sp>
+      <p:pic>
+        <p:nvPicPr>
+          <p:cNvPr id="4" name="Content Placeholder 3"/>
+          <p:cNvPicPr>
+            <a:picLocks noGrp="1" noChangeAspect="1"/>
+          </p:cNvPicPr>
           <p:nvPr>
             <p:ph idx="1"/>
           </p:nvPr>
-        </p:nvSpPr>
-        <p:spPr/>
-        <p:txBody>
-          <a:bodyPr>
-            <a:normAutofit lnSpcReduction="10000"/>
-          </a:bodyPr>
-          <a:lstStyle/>
-          <a:p>
-            <a:r>
-              <a:rPr lang="en-US" dirty="0" smtClean="0"/>
-              <a:t>All In process.  Save, Send to CMS, Send Email</a:t>
-            </a:r>
-          </a:p>
-          <a:p>
-            <a:pPr lvl="1"/>
-            <a:r>
-              <a:rPr lang="en-US" dirty="0" smtClean="0"/>
-              <a:t>All in 1 transaction?  Customer won’t do it again.</a:t>
-            </a:r>
-          </a:p>
-          <a:p>
-            <a:pPr lvl="1"/>
-            <a:r>
-              <a:rPr lang="en-US" dirty="0" smtClean="0"/>
-              <a:t>Delay for Customer while waiting for CMS and Email processes.  Bad first impression</a:t>
-            </a:r>
-          </a:p>
-          <a:p>
-            <a:r>
-              <a:rPr lang="en-US" dirty="0" smtClean="0"/>
-              <a:t>Asynchronous Calls</a:t>
-            </a:r>
-          </a:p>
-          <a:p>
-            <a:pPr lvl="1"/>
-            <a:r>
-              <a:rPr lang="en-US" dirty="0" smtClean="0"/>
-              <a:t>Better, but if something happens on the server, they are lost</a:t>
-            </a:r>
-          </a:p>
-          <a:p>
-            <a:pPr lvl="1"/>
-            <a:r>
-              <a:rPr lang="en-US" dirty="0" smtClean="0"/>
-              <a:t>Harder to handle application failures on the call back.</a:t>
-            </a:r>
-          </a:p>
-          <a:p>
-            <a:r>
-              <a:rPr lang="en-US" dirty="0" smtClean="0"/>
-              <a:t>Batch Process</a:t>
-            </a:r>
-          </a:p>
-          <a:p>
-            <a:pPr lvl="1"/>
-            <a:r>
-              <a:rPr lang="en-US" dirty="0" smtClean="0"/>
-              <a:t>CMS - How soon does that system want the new data?</a:t>
-            </a:r>
-          </a:p>
-          <a:p>
-            <a:pPr lvl="1"/>
-            <a:r>
-              <a:rPr lang="en-US" dirty="0" smtClean="0"/>
-              <a:t>Email - How soon do you want the email sent?</a:t>
-            </a:r>
-          </a:p>
-          <a:p>
-            <a:pPr lvl="1"/>
-            <a:r>
-              <a:rPr lang="en-US" dirty="0" smtClean="0"/>
-              <a:t>How often to run these?</a:t>
-            </a:r>
-          </a:p>
-        </p:txBody>
-      </p:sp>
+        </p:nvPicPr>
+        <p:blipFill>
+          <a:blip r:embed="rId2"/>
+          <a:stretch>
+            <a:fillRect/>
+          </a:stretch>
+        </p:blipFill>
+        <p:spPr>
+          <a:xfrm>
+            <a:off x="3365755" y="1690688"/>
+            <a:ext cx="3345146" cy="5102908"/>
+          </a:xfrm>
+          <a:prstGeom prst="rect">
+            <a:avLst/>
+          </a:prstGeom>
+        </p:spPr>
+      </p:pic>
     </p:spTree>
     <p:extLst>
       <p:ext uri="{BB962C8B-B14F-4D97-AF65-F5344CB8AC3E}">
-        <p14:creationId xmlns:p14="http://schemas.microsoft.com/office/powerpoint/2010/main" val="1636338860"/>
+        <p14:creationId xmlns:p14="http://schemas.microsoft.com/office/powerpoint/2010/main" val="3295330895"/>
       </p:ext>
     </p:extLst>
   </p:cSld>
@@ -6620,7 +6433,7 @@
           <a:p>
             <a:r>
               <a:rPr lang="en-US" dirty="0" smtClean="0"/>
-              <a:t>Potential Solution</a:t>
+              <a:t>Closing Thoughts</a:t>
             </a:r>
             <a:endParaRPr lang="en-US" dirty="0"/>
           </a:p>
@@ -6643,151 +6456,24 @@
           <a:p>
             <a:r>
               <a:rPr lang="en-US" dirty="0" smtClean="0"/>
-              <a:t>Use a Fanout Exchange with 2 queues and a process for each</a:t>
-            </a:r>
-          </a:p>
-          <a:p>
-            <a:r>
-              <a:rPr lang="en-US" dirty="0" smtClean="0"/>
-              <a:t>One for Email</a:t>
-            </a:r>
-          </a:p>
-          <a:p>
-            <a:pPr lvl="1"/>
-            <a:r>
-              <a:rPr lang="en-US" dirty="0" smtClean="0"/>
-              <a:t>May not be the end of the world if this fails</a:t>
-            </a:r>
-          </a:p>
-          <a:p>
-            <a:pPr lvl="1"/>
-            <a:r>
-              <a:rPr lang="en-US" dirty="0" smtClean="0"/>
-              <a:t>If need to send, notification sent to system, then republish the message</a:t>
-            </a:r>
-          </a:p>
-          <a:p>
-            <a:r>
-              <a:rPr lang="en-US" dirty="0" smtClean="0"/>
-              <a:t>One for CMS Integration</a:t>
-            </a:r>
-          </a:p>
-          <a:p>
-            <a:pPr lvl="1"/>
-            <a:r>
-              <a:rPr lang="en-US" dirty="0" smtClean="0"/>
-              <a:t>This one is important</a:t>
-            </a:r>
-          </a:p>
-          <a:p>
-            <a:pPr lvl="1"/>
-            <a:r>
-              <a:rPr lang="en-US" dirty="0" smtClean="0"/>
-              <a:t>Notification Pattern for resending data, or a retry pattern</a:t>
-            </a:r>
-          </a:p>
-          <a:p>
-            <a:pPr lvl="1"/>
-            <a:r>
-              <a:rPr lang="en-US" dirty="0" smtClean="0"/>
-              <a:t>Set as a durable queue, to not lose messages</a:t>
-            </a:r>
-          </a:p>
-          <a:p>
-            <a:pPr lvl="1"/>
-            <a:r>
-              <a:rPr lang="en-US" dirty="0" smtClean="0"/>
-              <a:t>Can add an Audit piece to this process as a safeguard/audit trail</a:t>
-            </a:r>
-            <a:endParaRPr lang="en-US" dirty="0"/>
-          </a:p>
-        </p:txBody>
-      </p:sp>
-    </p:spTree>
-    <p:extLst>
-      <p:ext uri="{BB962C8B-B14F-4D97-AF65-F5344CB8AC3E}">
-        <p14:creationId xmlns:p14="http://schemas.microsoft.com/office/powerpoint/2010/main" val="738691462"/>
-      </p:ext>
-    </p:extLst>
-  </p:cSld>
-  <p:clrMapOvr>
-    <a:masterClrMapping/>
-  </p:clrMapOvr>
-  <p:timing>
-    <p:tnLst>
-      <p:par>
-        <p:cTn id="1" dur="indefinite" restart="never" nodeType="tmRoot"/>
-      </p:par>
-    </p:tnLst>
-  </p:timing>
-</p:sld>
-</file>
-
-<file path=ppt/slides/slide32.xml><?xml version="1.0" encoding="utf-8"?>
-<p:sld xmlns:a="http://schemas.openxmlformats.org/drawingml/2006/main" xmlns:r="http://schemas.openxmlformats.org/officeDocument/2006/relationships" xmlns:p="http://schemas.openxmlformats.org/presentationml/2006/main">
-  <p:cSld>
-    <p:spTree>
-      <p:nvGrpSpPr>
-        <p:cNvPr id="1" name=""/>
-        <p:cNvGrpSpPr/>
-        <p:nvPr/>
-      </p:nvGrpSpPr>
-      <p:grpSpPr>
-        <a:xfrm>
-          <a:off x="0" y="0"/>
-          <a:ext cx="0" cy="0"/>
-          <a:chOff x="0" y="0"/>
-          <a:chExt cx="0" cy="0"/>
-        </a:xfrm>
-      </p:grpSpPr>
-      <p:sp>
-        <p:nvSpPr>
-          <p:cNvPr id="2" name="Title 1"/>
-          <p:cNvSpPr>
-            <a:spLocks noGrp="1"/>
-          </p:cNvSpPr>
-          <p:nvPr>
-            <p:ph type="title"/>
-          </p:nvPr>
-        </p:nvSpPr>
-        <p:spPr/>
-        <p:txBody>
-          <a:bodyPr/>
-          <a:lstStyle/>
-          <a:p>
-            <a:r>
-              <a:rPr lang="en-US" dirty="0" smtClean="0"/>
-              <a:t>Closing Thoughts</a:t>
-            </a:r>
-            <a:endParaRPr lang="en-US" dirty="0"/>
-          </a:p>
-        </p:txBody>
-      </p:sp>
-      <p:sp>
-        <p:nvSpPr>
-          <p:cNvPr id="3" name="Content Placeholder 2"/>
-          <p:cNvSpPr>
-            <a:spLocks noGrp="1"/>
-          </p:cNvSpPr>
-          <p:nvPr>
-            <p:ph idx="1"/>
-          </p:nvPr>
-        </p:nvSpPr>
-        <p:spPr/>
-        <p:txBody>
-          <a:bodyPr/>
-          <a:lstStyle/>
-          <a:p>
-            <a:r>
-              <a:rPr lang="en-US" dirty="0" smtClean="0"/>
-              <a:t>A Queue can handle multiple types of messages.  Be careful</a:t>
-            </a:r>
-          </a:p>
-          <a:p>
-            <a:r>
-              <a:rPr lang="en-US" dirty="0" smtClean="0"/>
-              <a:t>Don’t overuse</a:t>
-            </a:r>
+              <a:t>A Queue can handle multiple types of messages.  Be </a:t>
+            </a:r>
+            <a:r>
+              <a:rPr lang="en-US" dirty="0" smtClean="0"/>
+              <a:t>careful.</a:t>
+            </a:r>
+            <a:endParaRPr lang="en-US" dirty="0" smtClean="0"/>
+          </a:p>
+          <a:p>
+            <a:r>
+              <a:rPr lang="en-US" dirty="0" smtClean="0"/>
+              <a:t>Don’t </a:t>
+            </a:r>
+            <a:r>
+              <a:rPr lang="en-US" dirty="0" smtClean="0"/>
+              <a:t>overuse.</a:t>
+            </a:r>
+            <a:endParaRPr lang="en-US" dirty="0" smtClean="0"/>
           </a:p>
           <a:p>
             <a:r>
@@ -6798,7 +6484,11 @@
           <a:p>
             <a:r>
               <a:rPr lang="en-US" dirty="0" smtClean="0"/>
-              <a:t>Research and try it out</a:t>
+              <a:t>Research and try it </a:t>
+            </a:r>
+            <a:r>
+              <a:rPr lang="en-US" dirty="0" smtClean="0"/>
+              <a:t>out!</a:t>
             </a:r>
             <a:endParaRPr lang="en-US" dirty="0"/>
           </a:p>
@@ -6824,7 +6514,7 @@
 </p:sld>
 </file>
 
-<file path=ppt/slides/slide33.xml><?xml version="1.0" encoding="utf-8"?>
+<file path=ppt/slides/slide32.xml><?xml version="1.0" encoding="utf-8"?>
 <p:sld xmlns:a="http://schemas.openxmlformats.org/drawingml/2006/main" xmlns:r="http://schemas.openxmlformats.org/officeDocument/2006/relationships" xmlns:p="http://schemas.openxmlformats.org/presentationml/2006/main">
   <p:cSld>
     <p:spTree>
